--- a/AndrewBrecher_presentation_2018-06-28.pptx
+++ b/AndrewBrecher_presentation_2018-06-28.pptx
@@ -2114,7 +2114,6 @@
               <a:rPr lang="en-US" sz="2200" dirty="0" smtClean="0"/>
               <a:t>June 28, 2018</a:t>
             </a:r>
-            <a:endParaRPr lang="en-US" sz="2200" dirty="0" smtClean="0"/>
           </a:p>
           <a:p>
             <a:pPr>
@@ -2123,6 +2122,44 @@
               </a:spcBef>
             </a:pPr>
             <a:endParaRPr lang="en-US" sz="2200" dirty="0"/>
+          </a:p>
+        </p:txBody>
+      </p:sp>
+      <p:sp>
+        <p:nvSpPr>
+          <p:cNvPr id="6" name="TextBox 5"/>
+          <p:cNvSpPr txBox="1"/>
+          <p:nvPr/>
+        </p:nvSpPr>
+        <p:spPr>
+          <a:xfrm>
+            <a:off x="504142" y="1142999"/>
+            <a:ext cx="3290208" cy="276999"/>
+          </a:xfrm>
+          <a:prstGeom prst="rect">
+            <a:avLst/>
+          </a:prstGeom>
+          <a:noFill/>
+        </p:spPr>
+        <p:txBody>
+          <a:bodyPr wrap="square" rtlCol="0">
+            <a:spAutoFit/>
+          </a:bodyPr>
+          <a:lstStyle/>
+          <a:p>
+            <a:r>
+              <a:rPr lang="en-US" sz="1200" b="1" dirty="0" smtClean="0">
+                <a:solidFill>
+                  <a:srgbClr val="084A9C"/>
+                </a:solidFill>
+              </a:rPr>
+              <a:t>MEDICARE-MEDICAID COORDINATION OFFICE</a:t>
+            </a:r>
+            <a:endParaRPr lang="en-US" sz="1200" b="1" dirty="0">
+              <a:solidFill>
+                <a:srgbClr val="084A9C"/>
+              </a:solidFill>
+            </a:endParaRPr>
           </a:p>
         </p:txBody>
       </p:sp>
@@ -2241,8 +2278,17 @@
             </a:pPr>
             <a:r>
               <a:rPr lang="en-US" dirty="0" smtClean="0"/>
-              <a:t>Participating providers get financial incentives for participating in Initiative. </a:t>
-            </a:r>
+              <a:t>Participating providers get financial incentives for </a:t>
+            </a:r>
+            <a:r>
+              <a:rPr lang="en-US" dirty="0" smtClean="0"/>
+              <a:t>diagnosis and enhanced treatment</a:t>
+            </a:r>
+            <a:r>
+              <a:rPr lang="en-US" dirty="0" smtClean="0"/>
+              <a:t> </a:t>
+            </a:r>
+            <a:endParaRPr lang="en-US" dirty="0" smtClean="0"/>
           </a:p>
           <a:p>
             <a:pPr>
@@ -2436,7 +2482,11 @@
           <a:p>
             <a:r>
               <a:rPr lang="en-US" dirty="0" smtClean="0"/>
-              <a:t>Data elements:</a:t>
+              <a:t>Reported data </a:t>
+            </a:r>
+            <a:r>
+              <a:rPr lang="en-US" dirty="0" smtClean="0"/>
+              <a:t>elements:</a:t>
             </a:r>
           </a:p>
           <a:p>
@@ -2568,7 +2618,11 @@
           <a:p>
             <a:r>
               <a:rPr lang="en-US" dirty="0" smtClean="0"/>
-              <a:t> Data elements:</a:t>
+              <a:t>Claims data </a:t>
+            </a:r>
+            <a:r>
+              <a:rPr lang="en-US" dirty="0" smtClean="0"/>
+              <a:t>elements:</a:t>
             </a:r>
           </a:p>
           <a:p>
@@ -2696,7 +2750,15 @@
           <a:p>
             <a:r>
               <a:rPr lang="en-US" dirty="0" smtClean="0"/>
-              <a:t>Obtained crosswalk between (a) official Medicare ID and first mask, (b) official Medicare ID and second mask</a:t>
+              <a:t>Obtained </a:t>
+            </a:r>
+            <a:r>
+              <a:rPr lang="en-US" dirty="0" smtClean="0"/>
+              <a:t>crosswalks </a:t>
+            </a:r>
+            <a:r>
+              <a:rPr lang="en-US" dirty="0" smtClean="0"/>
+              <a:t>between (a) official Medicare ID and first mask, (b) official Medicare ID and second mask</a:t>
             </a:r>
           </a:p>
           <a:p>
@@ -2710,7 +2772,15 @@
             </a:r>
             <a:r>
               <a:rPr lang="en-US" dirty="0" smtClean="0"/>
-              <a:t> to second data set</a:t>
+              <a:t> </a:t>
+            </a:r>
+            <a:r>
+              <a:rPr lang="en-US" dirty="0" smtClean="0"/>
+              <a:t>variable to </a:t>
+            </a:r>
+            <a:r>
+              <a:rPr lang="en-US" dirty="0" smtClean="0"/>
+              <a:t>second data set</a:t>
             </a:r>
           </a:p>
           <a:p>
@@ -2720,12 +2790,29 @@
             </a:r>
             <a:r>
               <a:rPr lang="en-US" dirty="0" err="1" smtClean="0"/>
-              <a:t>crosswalked</a:t>
-            </a:r>
-            <a:r>
-              <a:rPr lang="en-US" dirty="0" smtClean="0"/>
-              <a:t> Medicare ID as well as provider ID and date of service</a:t>
-            </a:r>
+              <a:t>UniqueID</a:t>
+            </a:r>
+            <a:r>
+              <a:rPr lang="en-US" dirty="0" smtClean="0"/>
+              <a:t> </a:t>
+            </a:r>
+            <a:r>
+              <a:rPr lang="en-US" dirty="0" smtClean="0"/>
+              <a:t>as well as </a:t>
+            </a:r>
+            <a:r>
+              <a:rPr lang="en-US" dirty="0"/>
+              <a:t>date of service </a:t>
+            </a:r>
+            <a:r>
+              <a:rPr lang="en-US" dirty="0" smtClean="0"/>
+              <a:t>and national </a:t>
+            </a:r>
+            <a:r>
+              <a:rPr lang="en-US" dirty="0" smtClean="0"/>
+              <a:t>provider identifier</a:t>
+            </a:r>
+            <a:endParaRPr lang="en-US" dirty="0" smtClean="0"/>
           </a:p>
           <a:p>
             <a:pPr marL="3600450" lvl="8" indent="0">
@@ -2892,7 +2979,7 @@
             <a:pPr algn="ctr"/>
             <a:r>
               <a:rPr lang="en-US" dirty="0" smtClean="0"/>
-              <a:t>Next challenge</a:t>
+              <a:t>Challenge Remaining</a:t>
             </a:r>
             <a:endParaRPr lang="en-US" dirty="0"/>
           </a:p>
@@ -2920,7 +3007,15 @@
           <a:p>
             <a:r>
               <a:rPr lang="en-US" dirty="0" smtClean="0"/>
-              <a:t>Of 2,468 records:</a:t>
+              <a:t>Of </a:t>
+            </a:r>
+            <a:r>
+              <a:rPr lang="en-US" dirty="0" smtClean="0"/>
+              <a:t>2,469 </a:t>
+            </a:r>
+            <a:r>
+              <a:rPr lang="en-US" dirty="0" smtClean="0"/>
+              <a:t>records:</a:t>
             </a:r>
           </a:p>
           <a:p>
@@ -2941,7 +3036,11 @@
             <a:pPr lvl="1"/>
             <a:r>
               <a:rPr lang="en-US" dirty="0" smtClean="0"/>
-              <a:t>753 associated with one Medicare claim</a:t>
+              <a:t>754 </a:t>
+            </a:r>
+            <a:r>
+              <a:rPr lang="en-US" dirty="0" smtClean="0"/>
+              <a:t>associated with one Medicare claim</a:t>
             </a:r>
           </a:p>
           <a:p>
@@ -2964,16 +3063,24 @@
           <a:p>
             <a:pPr lvl="1"/>
             <a:r>
-              <a:rPr lang="en-US" dirty="0" smtClean="0"/>
-              <a:t>Try claim dates 1-2 days before/after self-reported date</a:t>
-            </a:r>
+              <a:rPr lang="en-US" dirty="0"/>
+              <a:t>Try matching on just beneficiary and date, not provider ID </a:t>
+            </a:r>
+            <a:endParaRPr lang="en-US" dirty="0" smtClean="0"/>
           </a:p>
           <a:p>
             <a:pPr lvl="1"/>
             <a:r>
               <a:rPr lang="en-US" dirty="0" smtClean="0"/>
-              <a:t>Try matching on just beneficiary and date, not provider ID</a:t>
-            </a:r>
+              <a:t>Try </a:t>
+            </a:r>
+            <a:r>
+              <a:rPr lang="en-US" dirty="0" smtClean="0"/>
+              <a:t>claim dates 1-2 days before/after self-reported date</a:t>
+            </a:r>
+          </a:p>
+          <a:p>
+            <a:pPr lvl="1"/>
             <a:endParaRPr lang="en-US" dirty="0"/>
           </a:p>
         </p:txBody>
